--- a/tutorials/pipelines/tut_a_st_bud/vector files/fig05.pptx
+++ b/tutorials/pipelines/tut_a_st_bud/vector files/fig05.pptx
@@ -2,7 +2,7 @@
 <file path=ppt/presentation.xml><?xml version="1.0" encoding="utf-8"?>
 <p:presentation xmlns:a="http://schemas.openxmlformats.org/drawingml/2006/main" xmlns:r="http://schemas.openxmlformats.org/officeDocument/2006/relationships" xmlns:p="http://schemas.openxmlformats.org/presentationml/2006/main" saveSubsetFonts="1">
   <p:sldMasterIdLst>
-    <p:sldMasterId id="2147483732" r:id="rId1"/>
+    <p:sldMasterId id="2147483768" r:id="rId1"/>
   </p:sldMasterIdLst>
   <p:notesMasterIdLst>
     <p:notesMasterId r:id="rId3"/>
@@ -10,7 +10,7 @@
   <p:sldIdLst>
     <p:sldId id="256" r:id="rId2"/>
   </p:sldIdLst>
-  <p:sldSz cx="18000663" cy="10799763"/>
+  <p:sldSz cx="18000663" cy="11520488"/>
   <p:notesSz cx="6858000" cy="9144000"/>
   <p:defaultTextStyle>
     <a:defPPr>
@@ -215,8 +215,8 @@
         </p:nvSpPr>
         <p:spPr>
           <a:xfrm>
-            <a:off x="857250" y="1143000"/>
-            <a:ext cx="5143500" cy="3086100"/>
+            <a:off x="1019175" y="1143000"/>
+            <a:ext cx="4819650" cy="3086100"/>
           </a:xfrm>
           <a:prstGeom prst="rect">
             <a:avLst/>
@@ -370,8 +370,8 @@
   </p:cSld>
   <p:clrMap bg1="lt1" tx1="dk1" bg2="lt2" tx2="dk2" accent1="accent1" accent2="accent2" accent3="accent3" accent4="accent4" accent5="accent5" accent6="accent6" hlink="hlink" folHlink="folHlink"/>
   <p:notesStyle>
-    <a:lvl1pPr marL="0" algn="l" defTabSz="1846082" rtl="0" eaLnBrk="1" latinLnBrk="0" hangingPunct="1">
-      <a:defRPr sz="2423" kern="1200">
+    <a:lvl1pPr marL="0" algn="l" defTabSz="1730685" rtl="0" eaLnBrk="1" latinLnBrk="0" hangingPunct="1">
+      <a:defRPr sz="2271" kern="1200">
         <a:solidFill>
           <a:schemeClr val="tx1"/>
         </a:solidFill>
@@ -380,8 +380,8 @@
         <a:cs typeface="+mn-cs"/>
       </a:defRPr>
     </a:lvl1pPr>
-    <a:lvl2pPr marL="923041" algn="l" defTabSz="1846082" rtl="0" eaLnBrk="1" latinLnBrk="0" hangingPunct="1">
-      <a:defRPr sz="2423" kern="1200">
+    <a:lvl2pPr marL="865342" algn="l" defTabSz="1730685" rtl="0" eaLnBrk="1" latinLnBrk="0" hangingPunct="1">
+      <a:defRPr sz="2271" kern="1200">
         <a:solidFill>
           <a:schemeClr val="tx1"/>
         </a:solidFill>
@@ -390,8 +390,8 @@
         <a:cs typeface="+mn-cs"/>
       </a:defRPr>
     </a:lvl2pPr>
-    <a:lvl3pPr marL="1846082" algn="l" defTabSz="1846082" rtl="0" eaLnBrk="1" latinLnBrk="0" hangingPunct="1">
-      <a:defRPr sz="2423" kern="1200">
+    <a:lvl3pPr marL="1730685" algn="l" defTabSz="1730685" rtl="0" eaLnBrk="1" latinLnBrk="0" hangingPunct="1">
+      <a:defRPr sz="2271" kern="1200">
         <a:solidFill>
           <a:schemeClr val="tx1"/>
         </a:solidFill>
@@ -400,8 +400,8 @@
         <a:cs typeface="+mn-cs"/>
       </a:defRPr>
     </a:lvl3pPr>
-    <a:lvl4pPr marL="2769123" algn="l" defTabSz="1846082" rtl="0" eaLnBrk="1" latinLnBrk="0" hangingPunct="1">
-      <a:defRPr sz="2423" kern="1200">
+    <a:lvl4pPr marL="2596027" algn="l" defTabSz="1730685" rtl="0" eaLnBrk="1" latinLnBrk="0" hangingPunct="1">
+      <a:defRPr sz="2271" kern="1200">
         <a:solidFill>
           <a:schemeClr val="tx1"/>
         </a:solidFill>
@@ -410,8 +410,8 @@
         <a:cs typeface="+mn-cs"/>
       </a:defRPr>
     </a:lvl4pPr>
-    <a:lvl5pPr marL="3692164" algn="l" defTabSz="1846082" rtl="0" eaLnBrk="1" latinLnBrk="0" hangingPunct="1">
-      <a:defRPr sz="2423" kern="1200">
+    <a:lvl5pPr marL="3461370" algn="l" defTabSz="1730685" rtl="0" eaLnBrk="1" latinLnBrk="0" hangingPunct="1">
+      <a:defRPr sz="2271" kern="1200">
         <a:solidFill>
           <a:schemeClr val="tx1"/>
         </a:solidFill>
@@ -420,8 +420,8 @@
         <a:cs typeface="+mn-cs"/>
       </a:defRPr>
     </a:lvl5pPr>
-    <a:lvl6pPr marL="4615205" algn="l" defTabSz="1846082" rtl="0" eaLnBrk="1" latinLnBrk="0" hangingPunct="1">
-      <a:defRPr sz="2423" kern="1200">
+    <a:lvl6pPr marL="4326712" algn="l" defTabSz="1730685" rtl="0" eaLnBrk="1" latinLnBrk="0" hangingPunct="1">
+      <a:defRPr sz="2271" kern="1200">
         <a:solidFill>
           <a:schemeClr val="tx1"/>
         </a:solidFill>
@@ -430,8 +430,8 @@
         <a:cs typeface="+mn-cs"/>
       </a:defRPr>
     </a:lvl6pPr>
-    <a:lvl7pPr marL="5538246" algn="l" defTabSz="1846082" rtl="0" eaLnBrk="1" latinLnBrk="0" hangingPunct="1">
-      <a:defRPr sz="2423" kern="1200">
+    <a:lvl7pPr marL="5192055" algn="l" defTabSz="1730685" rtl="0" eaLnBrk="1" latinLnBrk="0" hangingPunct="1">
+      <a:defRPr sz="2271" kern="1200">
         <a:solidFill>
           <a:schemeClr val="tx1"/>
         </a:solidFill>
@@ -440,8 +440,8 @@
         <a:cs typeface="+mn-cs"/>
       </a:defRPr>
     </a:lvl7pPr>
-    <a:lvl8pPr marL="6461288" algn="l" defTabSz="1846082" rtl="0" eaLnBrk="1" latinLnBrk="0" hangingPunct="1">
-      <a:defRPr sz="2423" kern="1200">
+    <a:lvl8pPr marL="6057397" algn="l" defTabSz="1730685" rtl="0" eaLnBrk="1" latinLnBrk="0" hangingPunct="1">
+      <a:defRPr sz="2271" kern="1200">
         <a:solidFill>
           <a:schemeClr val="tx1"/>
         </a:solidFill>
@@ -450,8 +450,8 @@
         <a:cs typeface="+mn-cs"/>
       </a:defRPr>
     </a:lvl8pPr>
-    <a:lvl9pPr marL="7384329" algn="l" defTabSz="1846082" rtl="0" eaLnBrk="1" latinLnBrk="0" hangingPunct="1">
-      <a:defRPr sz="2423" kern="1200">
+    <a:lvl9pPr marL="6922740" algn="l" defTabSz="1730685" rtl="0" eaLnBrk="1" latinLnBrk="0" hangingPunct="1">
+      <a:defRPr sz="2271" kern="1200">
         <a:solidFill>
           <a:schemeClr val="tx1"/>
         </a:solidFill>
@@ -493,8 +493,8 @@
         </p:nvSpPr>
         <p:spPr>
           <a:xfrm>
-            <a:off x="857250" y="1143000"/>
-            <a:ext cx="5143500" cy="3086100"/>
+            <a:off x="1019175" y="1143000"/>
+            <a:ext cx="4819650" cy="3086100"/>
           </a:xfrm>
         </p:spPr>
       </p:sp>
@@ -582,8 +582,8 @@
         </p:nvSpPr>
         <p:spPr>
           <a:xfrm>
-            <a:off x="2250083" y="1767462"/>
-            <a:ext cx="13500497" cy="3759917"/>
+            <a:off x="2250083" y="1885414"/>
+            <a:ext cx="13500497" cy="4010837"/>
           </a:xfrm>
         </p:spPr>
         <p:txBody>
@@ -614,8 +614,8 @@
         </p:nvSpPr>
         <p:spPr>
           <a:xfrm>
-            <a:off x="2250083" y="5672376"/>
-            <a:ext cx="13500497" cy="2607442"/>
+            <a:off x="2250083" y="6050924"/>
+            <a:ext cx="13500497" cy="2781450"/>
           </a:xfrm>
         </p:spPr>
         <p:txBody>
@@ -735,7 +735,7 @@
     </p:spTree>
     <p:extLst>
       <p:ext uri="{BB962C8B-B14F-4D97-AF65-F5344CB8AC3E}">
-        <p14:creationId xmlns:p14="http://schemas.microsoft.com/office/powerpoint/2010/main" val="3624165462"/>
+        <p14:creationId xmlns:p14="http://schemas.microsoft.com/office/powerpoint/2010/main" val="1609158017"/>
       </p:ext>
     </p:extLst>
   </p:cSld>
@@ -905,7 +905,7 @@
     </p:spTree>
     <p:extLst>
       <p:ext uri="{BB962C8B-B14F-4D97-AF65-F5344CB8AC3E}">
-        <p14:creationId xmlns:p14="http://schemas.microsoft.com/office/powerpoint/2010/main" val="123660998"/>
+        <p14:creationId xmlns:p14="http://schemas.microsoft.com/office/powerpoint/2010/main" val="4095565431"/>
       </p:ext>
     </p:extLst>
   </p:cSld>
@@ -944,8 +944,8 @@
         </p:nvSpPr>
         <p:spPr>
           <a:xfrm>
-            <a:off x="12881724" y="574987"/>
-            <a:ext cx="3881393" cy="9152300"/>
+            <a:off x="12881724" y="613359"/>
+            <a:ext cx="3881393" cy="9763081"/>
           </a:xfrm>
         </p:spPr>
         <p:txBody>
@@ -972,8 +972,8 @@
         </p:nvSpPr>
         <p:spPr>
           <a:xfrm>
-            <a:off x="1237545" y="574987"/>
-            <a:ext cx="11419171" cy="9152300"/>
+            <a:off x="1237545" y="613359"/>
+            <a:ext cx="11419171" cy="9763081"/>
           </a:xfrm>
         </p:spPr>
         <p:txBody>
@@ -1085,7 +1085,7 @@
     </p:spTree>
     <p:extLst>
       <p:ext uri="{BB962C8B-B14F-4D97-AF65-F5344CB8AC3E}">
-        <p14:creationId xmlns:p14="http://schemas.microsoft.com/office/powerpoint/2010/main" val="3911792329"/>
+        <p14:creationId xmlns:p14="http://schemas.microsoft.com/office/powerpoint/2010/main" val="2139285979"/>
       </p:ext>
     </p:extLst>
   </p:cSld>
@@ -1255,7 +1255,7 @@
     </p:spTree>
     <p:extLst>
       <p:ext uri="{BB962C8B-B14F-4D97-AF65-F5344CB8AC3E}">
-        <p14:creationId xmlns:p14="http://schemas.microsoft.com/office/powerpoint/2010/main" val="2077925150"/>
+        <p14:creationId xmlns:p14="http://schemas.microsoft.com/office/powerpoint/2010/main" val="1174789229"/>
       </p:ext>
     </p:extLst>
   </p:cSld>
@@ -1294,8 +1294,8 @@
         </p:nvSpPr>
         <p:spPr>
           <a:xfrm>
-            <a:off x="1228170" y="2692442"/>
-            <a:ext cx="15525572" cy="4492401"/>
+            <a:off x="1228170" y="2872123"/>
+            <a:ext cx="15525572" cy="4792202"/>
           </a:xfrm>
         </p:spPr>
         <p:txBody>
@@ -1326,8 +1326,8 @@
         </p:nvSpPr>
         <p:spPr>
           <a:xfrm>
-            <a:off x="1228170" y="7227343"/>
-            <a:ext cx="15525572" cy="2362447"/>
+            <a:off x="1228170" y="7709662"/>
+            <a:ext cx="15525572" cy="2520106"/>
           </a:xfrm>
         </p:spPr>
         <p:txBody>
@@ -1501,7 +1501,7 @@
     </p:spTree>
     <p:extLst>
       <p:ext uri="{BB962C8B-B14F-4D97-AF65-F5344CB8AC3E}">
-        <p14:creationId xmlns:p14="http://schemas.microsoft.com/office/powerpoint/2010/main" val="1814084450"/>
+        <p14:creationId xmlns:p14="http://schemas.microsoft.com/office/powerpoint/2010/main" val="3067685605"/>
       </p:ext>
     </p:extLst>
   </p:cSld>
@@ -1563,8 +1563,8 @@
         </p:nvSpPr>
         <p:spPr>
           <a:xfrm>
-            <a:off x="1237545" y="2874937"/>
-            <a:ext cx="7650282" cy="6852350"/>
+            <a:off x="1237545" y="3066796"/>
+            <a:ext cx="7650282" cy="7309644"/>
           </a:xfrm>
         </p:spPr>
         <p:txBody>
@@ -1620,8 +1620,8 @@
         </p:nvSpPr>
         <p:spPr>
           <a:xfrm>
-            <a:off x="9112836" y="2874937"/>
-            <a:ext cx="7650282" cy="6852350"/>
+            <a:off x="9112836" y="3066796"/>
+            <a:ext cx="7650282" cy="7309644"/>
           </a:xfrm>
         </p:spPr>
         <p:txBody>
@@ -1733,7 +1733,7 @@
     </p:spTree>
     <p:extLst>
       <p:ext uri="{BB962C8B-B14F-4D97-AF65-F5344CB8AC3E}">
-        <p14:creationId xmlns:p14="http://schemas.microsoft.com/office/powerpoint/2010/main" val="1976222886"/>
+        <p14:creationId xmlns:p14="http://schemas.microsoft.com/office/powerpoint/2010/main" val="1340860893"/>
       </p:ext>
     </p:extLst>
   </p:cSld>
@@ -1772,8 +1772,8 @@
         </p:nvSpPr>
         <p:spPr>
           <a:xfrm>
-            <a:off x="1239890" y="574988"/>
-            <a:ext cx="15525572" cy="2087455"/>
+            <a:off x="1239890" y="613360"/>
+            <a:ext cx="15525572" cy="2226762"/>
           </a:xfrm>
         </p:spPr>
         <p:txBody>
@@ -1800,8 +1800,8 @@
         </p:nvSpPr>
         <p:spPr>
           <a:xfrm>
-            <a:off x="1239891" y="2647443"/>
-            <a:ext cx="7615123" cy="1297471"/>
+            <a:off x="1239891" y="2824120"/>
+            <a:ext cx="7615123" cy="1384058"/>
           </a:xfrm>
         </p:spPr>
         <p:txBody>
@@ -1865,8 +1865,8 @@
         </p:nvSpPr>
         <p:spPr>
           <a:xfrm>
-            <a:off x="1239891" y="3944914"/>
-            <a:ext cx="7615123" cy="5802373"/>
+            <a:off x="1239891" y="4208178"/>
+            <a:ext cx="7615123" cy="6189596"/>
           </a:xfrm>
         </p:spPr>
         <p:txBody>
@@ -1922,8 +1922,8 @@
         </p:nvSpPr>
         <p:spPr>
           <a:xfrm>
-            <a:off x="9112836" y="2647443"/>
-            <a:ext cx="7652626" cy="1297471"/>
+            <a:off x="9112836" y="2824120"/>
+            <a:ext cx="7652626" cy="1384058"/>
           </a:xfrm>
         </p:spPr>
         <p:txBody>
@@ -1987,8 +1987,8 @@
         </p:nvSpPr>
         <p:spPr>
           <a:xfrm>
-            <a:off x="9112836" y="3944914"/>
-            <a:ext cx="7652626" cy="5802373"/>
+            <a:off x="9112836" y="4208178"/>
+            <a:ext cx="7652626" cy="6189596"/>
           </a:xfrm>
         </p:spPr>
         <p:txBody>
@@ -2100,7 +2100,7 @@
     </p:spTree>
     <p:extLst>
       <p:ext uri="{BB962C8B-B14F-4D97-AF65-F5344CB8AC3E}">
-        <p14:creationId xmlns:p14="http://schemas.microsoft.com/office/powerpoint/2010/main" val="1212896428"/>
+        <p14:creationId xmlns:p14="http://schemas.microsoft.com/office/powerpoint/2010/main" val="1151160498"/>
       </p:ext>
     </p:extLst>
   </p:cSld>
@@ -2218,7 +2218,7 @@
     </p:spTree>
     <p:extLst>
       <p:ext uri="{BB962C8B-B14F-4D97-AF65-F5344CB8AC3E}">
-        <p14:creationId xmlns:p14="http://schemas.microsoft.com/office/powerpoint/2010/main" val="4079964032"/>
+        <p14:creationId xmlns:p14="http://schemas.microsoft.com/office/powerpoint/2010/main" val="3991415812"/>
       </p:ext>
     </p:extLst>
   </p:cSld>
@@ -2313,7 +2313,7 @@
     </p:spTree>
     <p:extLst>
       <p:ext uri="{BB962C8B-B14F-4D97-AF65-F5344CB8AC3E}">
-        <p14:creationId xmlns:p14="http://schemas.microsoft.com/office/powerpoint/2010/main" val="1487332099"/>
+        <p14:creationId xmlns:p14="http://schemas.microsoft.com/office/powerpoint/2010/main" val="4228478942"/>
       </p:ext>
     </p:extLst>
   </p:cSld>
@@ -2352,8 +2352,8 @@
         </p:nvSpPr>
         <p:spPr>
           <a:xfrm>
-            <a:off x="1239891" y="719984"/>
-            <a:ext cx="5805682" cy="2519945"/>
+            <a:off x="1239891" y="768032"/>
+            <a:ext cx="5805682" cy="2688114"/>
           </a:xfrm>
         </p:spPr>
         <p:txBody>
@@ -2384,8 +2384,8 @@
         </p:nvSpPr>
         <p:spPr>
           <a:xfrm>
-            <a:off x="7652626" y="1554966"/>
-            <a:ext cx="9112836" cy="7674832"/>
+            <a:off x="7652626" y="1658738"/>
+            <a:ext cx="9112836" cy="8187013"/>
           </a:xfrm>
         </p:spPr>
         <p:txBody>
@@ -2469,8 +2469,8 @@
         </p:nvSpPr>
         <p:spPr>
           <a:xfrm>
-            <a:off x="1239891" y="3239929"/>
-            <a:ext cx="5805682" cy="6002369"/>
+            <a:off x="1239891" y="3456146"/>
+            <a:ext cx="5805682" cy="6402939"/>
           </a:xfrm>
         </p:spPr>
         <p:txBody>
@@ -2590,7 +2590,7 @@
     </p:spTree>
     <p:extLst>
       <p:ext uri="{BB962C8B-B14F-4D97-AF65-F5344CB8AC3E}">
-        <p14:creationId xmlns:p14="http://schemas.microsoft.com/office/powerpoint/2010/main" val="833728847"/>
+        <p14:creationId xmlns:p14="http://schemas.microsoft.com/office/powerpoint/2010/main" val="3165250502"/>
       </p:ext>
     </p:extLst>
   </p:cSld>
@@ -2629,8 +2629,8 @@
         </p:nvSpPr>
         <p:spPr>
           <a:xfrm>
-            <a:off x="1239891" y="719984"/>
-            <a:ext cx="5805682" cy="2519945"/>
+            <a:off x="1239891" y="768032"/>
+            <a:ext cx="5805682" cy="2688114"/>
           </a:xfrm>
         </p:spPr>
         <p:txBody>
@@ -2661,8 +2661,8 @@
         </p:nvSpPr>
         <p:spPr>
           <a:xfrm>
-            <a:off x="7652626" y="1554966"/>
-            <a:ext cx="9112836" cy="7674832"/>
+            <a:off x="7652626" y="1658738"/>
+            <a:ext cx="9112836" cy="8187013"/>
           </a:xfrm>
         </p:spPr>
         <p:txBody>
@@ -2726,8 +2726,8 @@
         </p:nvSpPr>
         <p:spPr>
           <a:xfrm>
-            <a:off x="1239891" y="3239929"/>
-            <a:ext cx="5805682" cy="6002369"/>
+            <a:off x="1239891" y="3456146"/>
+            <a:ext cx="5805682" cy="6402939"/>
           </a:xfrm>
         </p:spPr>
         <p:txBody>
@@ -2847,7 +2847,7 @@
     </p:spTree>
     <p:extLst>
       <p:ext uri="{BB962C8B-B14F-4D97-AF65-F5344CB8AC3E}">
-        <p14:creationId xmlns:p14="http://schemas.microsoft.com/office/powerpoint/2010/main" val="1779672975"/>
+        <p14:creationId xmlns:p14="http://schemas.microsoft.com/office/powerpoint/2010/main" val="1347266775"/>
       </p:ext>
     </p:extLst>
   </p:cSld>
@@ -2891,8 +2891,8 @@
         </p:nvSpPr>
         <p:spPr>
           <a:xfrm>
-            <a:off x="1237546" y="574988"/>
-            <a:ext cx="15525572" cy="2087455"/>
+            <a:off x="1237546" y="613360"/>
+            <a:ext cx="15525572" cy="2226762"/>
           </a:xfrm>
           <a:prstGeom prst="rect">
             <a:avLst/>
@@ -2924,8 +2924,8 @@
         </p:nvSpPr>
         <p:spPr>
           <a:xfrm>
-            <a:off x="1237546" y="2874937"/>
-            <a:ext cx="15525572" cy="6852350"/>
+            <a:off x="1237546" y="3066796"/>
+            <a:ext cx="15525572" cy="7309644"/>
           </a:xfrm>
           <a:prstGeom prst="rect">
             <a:avLst/>
@@ -2986,8 +2986,8 @@
         </p:nvSpPr>
         <p:spPr>
           <a:xfrm>
-            <a:off x="1237546" y="10009781"/>
-            <a:ext cx="4050149" cy="574987"/>
+            <a:off x="1237546" y="10677787"/>
+            <a:ext cx="4050149" cy="613359"/>
           </a:xfrm>
           <a:prstGeom prst="rect">
             <a:avLst/>
@@ -3027,8 +3027,8 @@
         </p:nvSpPr>
         <p:spPr>
           <a:xfrm>
-            <a:off x="5962720" y="10009781"/>
-            <a:ext cx="6075224" cy="574987"/>
+            <a:off x="5962720" y="10677787"/>
+            <a:ext cx="6075224" cy="613359"/>
           </a:xfrm>
           <a:prstGeom prst="rect">
             <a:avLst/>
@@ -3064,8 +3064,8 @@
         </p:nvSpPr>
         <p:spPr>
           <a:xfrm>
-            <a:off x="12712968" y="10009781"/>
-            <a:ext cx="4050149" cy="574987"/>
+            <a:off x="12712968" y="10677787"/>
+            <a:ext cx="4050149" cy="613359"/>
           </a:xfrm>
           <a:prstGeom prst="rect">
             <a:avLst/>
@@ -3096,23 +3096,23 @@
     </p:spTree>
     <p:extLst>
       <p:ext uri="{BB962C8B-B14F-4D97-AF65-F5344CB8AC3E}">
-        <p14:creationId xmlns:p14="http://schemas.microsoft.com/office/powerpoint/2010/main" val="1779755819"/>
+        <p14:creationId xmlns:p14="http://schemas.microsoft.com/office/powerpoint/2010/main" val="3432275871"/>
       </p:ext>
     </p:extLst>
   </p:cSld>
   <p:clrMap bg1="lt1" tx1="dk1" bg2="lt2" tx2="dk2" accent1="accent1" accent2="accent2" accent3="accent3" accent4="accent4" accent5="accent5" accent6="accent6" hlink="hlink" folHlink="folHlink"/>
   <p:sldLayoutIdLst>
-    <p:sldLayoutId id="2147483733" r:id="rId1"/>
-    <p:sldLayoutId id="2147483734" r:id="rId2"/>
-    <p:sldLayoutId id="2147483735" r:id="rId3"/>
-    <p:sldLayoutId id="2147483736" r:id="rId4"/>
-    <p:sldLayoutId id="2147483737" r:id="rId5"/>
-    <p:sldLayoutId id="2147483738" r:id="rId6"/>
-    <p:sldLayoutId id="2147483739" r:id="rId7"/>
-    <p:sldLayoutId id="2147483740" r:id="rId8"/>
-    <p:sldLayoutId id="2147483741" r:id="rId9"/>
-    <p:sldLayoutId id="2147483742" r:id="rId10"/>
-    <p:sldLayoutId id="2147483743" r:id="rId11"/>
+    <p:sldLayoutId id="2147483769" r:id="rId1"/>
+    <p:sldLayoutId id="2147483770" r:id="rId2"/>
+    <p:sldLayoutId id="2147483771" r:id="rId3"/>
+    <p:sldLayoutId id="2147483772" r:id="rId4"/>
+    <p:sldLayoutId id="2147483773" r:id="rId5"/>
+    <p:sldLayoutId id="2147483774" r:id="rId6"/>
+    <p:sldLayoutId id="2147483775" r:id="rId7"/>
+    <p:sldLayoutId id="2147483776" r:id="rId8"/>
+    <p:sldLayoutId id="2147483777" r:id="rId9"/>
+    <p:sldLayoutId id="2147483778" r:id="rId10"/>
+    <p:sldLayoutId id="2147483779" r:id="rId11"/>
   </p:sldLayoutIdLst>
   <p:txStyles>
     <p:titleStyle>
@@ -3416,10 +3416,10 @@
       </p:grpSpPr>
       <p:pic>
         <p:nvPicPr>
-          <p:cNvPr id="14" name="图片 13">
+          <p:cNvPr id="4" name="图片 3">
             <a:extLst>
               <a:ext uri="{FF2B5EF4-FFF2-40B4-BE49-F238E27FC236}">
-                <a16:creationId xmlns:a16="http://schemas.microsoft.com/office/drawing/2014/main" id="{429F52FC-B809-1108-17B2-27FE734D0E89}"/>
+                <a16:creationId xmlns:a16="http://schemas.microsoft.com/office/drawing/2014/main" id="{F567BFC1-BD3C-438F-0550-BF46CA5F8EFB}"/>
               </a:ext>
             </a:extLst>
           </p:cNvPr>
@@ -3436,122 +3436,32 @@
         </p:blipFill>
         <p:spPr>
           <a:xfrm>
-            <a:off x="12038233" y="1203346"/>
-            <a:ext cx="5243979" cy="3138587"/>
+            <a:off x="203559" y="946250"/>
+            <a:ext cx="17593553" cy="10369847"/>
           </a:xfrm>
           <a:prstGeom prst="rect">
             <a:avLst/>
           </a:prstGeom>
         </p:spPr>
       </p:pic>
-      <p:pic>
-        <p:nvPicPr>
-          <p:cNvPr id="10" name="图片 9">
+      <p:sp>
+        <p:nvSpPr>
+          <p:cNvPr id="6" name="Oval 19">
             <a:extLst>
               <a:ext uri="{FF2B5EF4-FFF2-40B4-BE49-F238E27FC236}">
-                <a16:creationId xmlns:a16="http://schemas.microsoft.com/office/drawing/2014/main" id="{DB1307E7-2BF1-626E-8AF6-5BBAC91DA398}"/>
+                <a16:creationId xmlns:a16="http://schemas.microsoft.com/office/drawing/2014/main" id="{07DE66C5-A761-67E9-A099-71C9FB0DF8D2}"/>
               </a:ext>
             </a:extLst>
           </p:cNvPr>
-          <p:cNvPicPr>
-            <a:picLocks noChangeAspect="1"/>
-          </p:cNvPicPr>
+          <p:cNvSpPr>
+            <a:spLocks noChangeAspect="1"/>
+          </p:cNvSpPr>
           <p:nvPr/>
-        </p:nvPicPr>
-        <p:blipFill>
-          <a:blip r:embed="rId4"/>
-          <a:stretch>
-            <a:fillRect/>
-          </a:stretch>
-        </p:blipFill>
+        </p:nvSpPr>
         <p:spPr>
           <a:xfrm>
-            <a:off x="7984757" y="5941"/>
-            <a:ext cx="4053474" cy="10799763"/>
-          </a:xfrm>
-          <a:prstGeom prst="rect">
-            <a:avLst/>
-          </a:prstGeom>
-        </p:spPr>
-      </p:pic>
-      <p:pic>
-        <p:nvPicPr>
-          <p:cNvPr id="12" name="图片 11">
-            <a:extLst>
-              <a:ext uri="{FF2B5EF4-FFF2-40B4-BE49-F238E27FC236}">
-                <a16:creationId xmlns:a16="http://schemas.microsoft.com/office/drawing/2014/main" id="{498134DD-CA64-082E-F628-5F1308E4CC2F}"/>
-              </a:ext>
-            </a:extLst>
-          </p:cNvPr>
-          <p:cNvPicPr>
-            <a:picLocks noChangeAspect="1"/>
-          </p:cNvPicPr>
-          <p:nvPr/>
-        </p:nvPicPr>
-        <p:blipFill>
-          <a:blip r:embed="rId5"/>
-          <a:stretch>
-            <a:fillRect/>
-          </a:stretch>
-        </p:blipFill>
-        <p:spPr>
-          <a:xfrm>
-            <a:off x="3986261" y="5941"/>
-            <a:ext cx="4039226" cy="10799763"/>
-          </a:xfrm>
-          <a:prstGeom prst="rect">
-            <a:avLst/>
-          </a:prstGeom>
-        </p:spPr>
-      </p:pic>
-      <p:pic>
-        <p:nvPicPr>
-          <p:cNvPr id="3" name="图片 2">
-            <a:extLst>
-              <a:ext uri="{FF2B5EF4-FFF2-40B4-BE49-F238E27FC236}">
-                <a16:creationId xmlns:a16="http://schemas.microsoft.com/office/drawing/2014/main" id="{50A8AC85-4E6C-6C82-A6DE-F90C496686B9}"/>
-              </a:ext>
-            </a:extLst>
-          </p:cNvPr>
-          <p:cNvPicPr>
-            <a:picLocks noChangeAspect="1"/>
-          </p:cNvPicPr>
-          <p:nvPr/>
-        </p:nvPicPr>
-        <p:blipFill>
-          <a:blip r:embed="rId6"/>
-          <a:stretch>
-            <a:fillRect/>
-          </a:stretch>
-        </p:blipFill>
-        <p:spPr>
-          <a:xfrm>
-            <a:off x="0" y="0"/>
-            <a:ext cx="4039226" cy="10799763"/>
-          </a:xfrm>
-          <a:prstGeom prst="rect">
-            <a:avLst/>
-          </a:prstGeom>
-        </p:spPr>
-      </p:pic>
-      <p:sp>
-        <p:nvSpPr>
-          <p:cNvPr id="7" name="Oval 19">
-            <a:extLst>
-              <a:ext uri="{FF2B5EF4-FFF2-40B4-BE49-F238E27FC236}">
-                <a16:creationId xmlns:a16="http://schemas.microsoft.com/office/drawing/2014/main" id="{C0309A75-AC89-7519-6523-08C70D52654C}"/>
-              </a:ext>
-            </a:extLst>
-          </p:cNvPr>
-          <p:cNvSpPr>
-            <a:spLocks noChangeAspect="1"/>
-          </p:cNvSpPr>
-          <p:nvPr/>
-        </p:nvSpPr>
-        <p:spPr>
-          <a:xfrm>
-            <a:off x="10989957" y="4175421"/>
-            <a:ext cx="708646" cy="708646"/>
+            <a:off x="203554" y="250860"/>
+            <a:ext cx="720000" cy="720000"/>
           </a:xfrm>
           <a:prstGeom prst="ellipse">
             <a:avLst/>
@@ -3580,7 +3490,7 @@
           </a:fontRef>
         </p:style>
         <p:txBody>
-          <a:bodyPr tIns="141729" bIns="212595" rtlCol="0" anchor="ctr"/>
+          <a:bodyPr tIns="151186" bIns="226780" rtlCol="0" anchor="ctr"/>
           <a:lstStyle/>
           <a:p>
             <a:pPr algn="ctr"/>
@@ -3589,7 +3499,7 @@
                 <a:latin typeface="Arial" panose="020B0604020202020204" pitchFamily="34" charset="0"/>
                 <a:cs typeface="Arial" panose="020B0604020202020204" pitchFamily="34" charset="0"/>
               </a:rPr>
-              <a:t>c</a:t>
+              <a:t>a</a:t>
             </a:r>
             <a:endParaRPr lang="en-SE" sz="4000" dirty="0">
               <a:latin typeface="Arial" panose="020B0604020202020204" pitchFamily="34" charset="0"/>
@@ -3598,84 +3508,24 @@
           </a:p>
         </p:txBody>
       </p:sp>
-      <p:pic>
-        <p:nvPicPr>
-          <p:cNvPr id="19" name="图片 18">
+      <p:sp>
+        <p:nvSpPr>
+          <p:cNvPr id="7" name="Oval 19">
             <a:extLst>
               <a:ext uri="{FF2B5EF4-FFF2-40B4-BE49-F238E27FC236}">
-                <a16:creationId xmlns:a16="http://schemas.microsoft.com/office/drawing/2014/main" id="{5D6BDB1B-4293-F53D-1C28-034930C3317C}"/>
+                <a16:creationId xmlns:a16="http://schemas.microsoft.com/office/drawing/2014/main" id="{C0309A75-AC89-7519-6523-08C70D52654C}"/>
               </a:ext>
             </a:extLst>
           </p:cNvPr>
-          <p:cNvPicPr>
-            <a:picLocks noChangeAspect="1"/>
-          </p:cNvPicPr>
+          <p:cNvSpPr>
+            <a:spLocks noChangeAspect="1"/>
+          </p:cNvSpPr>
           <p:nvPr/>
-        </p:nvPicPr>
-        <p:blipFill>
-          <a:blip r:embed="rId7"/>
-          <a:stretch>
-            <a:fillRect/>
-          </a:stretch>
-        </p:blipFill>
+        </p:nvSpPr>
         <p:spPr>
           <a:xfrm>
-            <a:off x="12060092" y="6944129"/>
-            <a:ext cx="5173114" cy="815762"/>
-          </a:xfrm>
-          <a:prstGeom prst="rect">
-            <a:avLst/>
-          </a:prstGeom>
-        </p:spPr>
-      </p:pic>
-      <p:pic>
-        <p:nvPicPr>
-          <p:cNvPr id="21" name="图片 20">
-            <a:extLst>
-              <a:ext uri="{FF2B5EF4-FFF2-40B4-BE49-F238E27FC236}">
-                <a16:creationId xmlns:a16="http://schemas.microsoft.com/office/drawing/2014/main" id="{E3B24DD0-0F23-1C5D-58C1-9A7FD768849F}"/>
-              </a:ext>
-            </a:extLst>
-          </p:cNvPr>
-          <p:cNvPicPr>
-            <a:picLocks noChangeAspect="1"/>
-          </p:cNvPicPr>
-          <p:nvPr/>
-        </p:nvPicPr>
-        <p:blipFill>
-          <a:blip r:embed="rId8"/>
-          <a:stretch>
-            <a:fillRect/>
-          </a:stretch>
-        </p:blipFill>
-        <p:spPr>
-          <a:xfrm>
-            <a:off x="12047176" y="4520227"/>
-            <a:ext cx="5208547" cy="2184230"/>
-          </a:xfrm>
-          <a:prstGeom prst="rect">
-            <a:avLst/>
-          </a:prstGeom>
-        </p:spPr>
-      </p:pic>
-      <p:sp>
-        <p:nvSpPr>
-          <p:cNvPr id="22" name="Oval 19">
-            <a:extLst>
-              <a:ext uri="{FF2B5EF4-FFF2-40B4-BE49-F238E27FC236}">
-                <a16:creationId xmlns:a16="http://schemas.microsoft.com/office/drawing/2014/main" id="{A4F8D110-588F-8595-8135-6D0FF1F5D643}"/>
-              </a:ext>
-            </a:extLst>
-          </p:cNvPr>
-          <p:cNvSpPr>
-            <a:spLocks noChangeAspect="1"/>
-          </p:cNvSpPr>
-          <p:nvPr/>
-        </p:nvSpPr>
-        <p:spPr>
-          <a:xfrm>
-            <a:off x="16191045" y="2145338"/>
-            <a:ext cx="708646" cy="708646"/>
+            <a:off x="10848165" y="250860"/>
+            <a:ext cx="720000" cy="720000"/>
           </a:xfrm>
           <a:prstGeom prst="ellipse">
             <a:avLst/>
@@ -3704,7 +3554,7 @@
           </a:fontRef>
         </p:style>
         <p:txBody>
-          <a:bodyPr tIns="141729" bIns="212595" rtlCol="0" anchor="ctr"/>
+          <a:bodyPr tIns="151186" bIns="226780" rtlCol="0" anchor="ctr"/>
           <a:lstStyle/>
           <a:p>
             <a:pPr algn="ctr"/>
@@ -3713,7 +3563,7 @@
                 <a:latin typeface="Arial" panose="020B0604020202020204" pitchFamily="34" charset="0"/>
                 <a:cs typeface="Arial" panose="020B0604020202020204" pitchFamily="34" charset="0"/>
               </a:rPr>
-              <a:t>d</a:t>
+              <a:t>c</a:t>
             </a:r>
             <a:endParaRPr lang="en-SE" sz="4000" dirty="0">
               <a:latin typeface="Arial" panose="020B0604020202020204" pitchFamily="34" charset="0"/>
@@ -3724,10 +3574,10 @@
       </p:sp>
       <p:sp>
         <p:nvSpPr>
-          <p:cNvPr id="23" name="Oval 19">
+          <p:cNvPr id="8" name="Oval 19">
             <a:extLst>
               <a:ext uri="{FF2B5EF4-FFF2-40B4-BE49-F238E27FC236}">
-                <a16:creationId xmlns:a16="http://schemas.microsoft.com/office/drawing/2014/main" id="{0432CF24-4C54-59E2-1F4B-417F56B8D638}"/>
+                <a16:creationId xmlns:a16="http://schemas.microsoft.com/office/drawing/2014/main" id="{49BD15E2-0B01-1BBB-3BE0-2B05ABEA1433}"/>
               </a:ext>
             </a:extLst>
           </p:cNvPr>
@@ -3738,8 +3588,8 @@
         </p:nvSpPr>
         <p:spPr>
           <a:xfrm>
-            <a:off x="16191045" y="4938195"/>
-            <a:ext cx="708646" cy="708646"/>
+            <a:off x="4077478" y="250860"/>
+            <a:ext cx="720000" cy="720000"/>
           </a:xfrm>
           <a:prstGeom prst="ellipse">
             <a:avLst/>
@@ -3768,7 +3618,7 @@
           </a:fontRef>
         </p:style>
         <p:txBody>
-          <a:bodyPr tIns="141729" bIns="212595" rtlCol="0" anchor="ctr"/>
+          <a:bodyPr tIns="151186" bIns="226780" rtlCol="0" anchor="ctr"/>
           <a:lstStyle/>
           <a:p>
             <a:pPr algn="ctr"/>
@@ -3777,7 +3627,7 @@
                 <a:latin typeface="Arial" panose="020B0604020202020204" pitchFamily="34" charset="0"/>
                 <a:cs typeface="Arial" panose="020B0604020202020204" pitchFamily="34" charset="0"/>
               </a:rPr>
-              <a:t>e</a:t>
+              <a:t>b</a:t>
             </a:r>
             <a:endParaRPr lang="en-SE" sz="4000" dirty="0">
               <a:latin typeface="Arial" panose="020B0604020202020204" pitchFamily="34" charset="0"/>
@@ -3788,74 +3638,10 @@
       </p:sp>
       <p:sp>
         <p:nvSpPr>
-          <p:cNvPr id="24" name="Oval 19">
+          <p:cNvPr id="15" name="Rectangle 22">
             <a:extLst>
               <a:ext uri="{FF2B5EF4-FFF2-40B4-BE49-F238E27FC236}">
-                <a16:creationId xmlns:a16="http://schemas.microsoft.com/office/drawing/2014/main" id="{BE19FEE8-5817-422F-E924-94D2730C9223}"/>
-              </a:ext>
-            </a:extLst>
-          </p:cNvPr>
-          <p:cNvSpPr>
-            <a:spLocks noChangeAspect="1"/>
-          </p:cNvSpPr>
-          <p:nvPr/>
-        </p:nvSpPr>
-        <p:spPr>
-          <a:xfrm>
-            <a:off x="16191045" y="6997687"/>
-            <a:ext cx="708646" cy="708646"/>
-          </a:xfrm>
-          <a:prstGeom prst="ellipse">
-            <a:avLst/>
-          </a:prstGeom>
-          <a:solidFill>
-            <a:srgbClr val="F79647"/>
-          </a:solidFill>
-          <a:ln>
-            <a:noFill/>
-          </a:ln>
-        </p:spPr>
-        <p:style>
-          <a:lnRef idx="2">
-            <a:schemeClr val="accent1">
-              <a:shade val="15000"/>
-            </a:schemeClr>
-          </a:lnRef>
-          <a:fillRef idx="1">
-            <a:schemeClr val="accent1"/>
-          </a:fillRef>
-          <a:effectRef idx="0">
-            <a:schemeClr val="accent1"/>
-          </a:effectRef>
-          <a:fontRef idx="minor">
-            <a:schemeClr val="lt1"/>
-          </a:fontRef>
-        </p:style>
-        <p:txBody>
-          <a:bodyPr tIns="141729" bIns="212595" rtlCol="0" anchor="ctr"/>
-          <a:lstStyle/>
-          <a:p>
-            <a:pPr algn="ctr"/>
-            <a:r>
-              <a:rPr lang="en-GB" sz="4000" dirty="0">
-                <a:latin typeface="Arial" panose="020B0604020202020204" pitchFamily="34" charset="0"/>
-                <a:cs typeface="Arial" panose="020B0604020202020204" pitchFamily="34" charset="0"/>
-              </a:rPr>
-              <a:t>f</a:t>
-            </a:r>
-            <a:endParaRPr lang="en-SE" sz="4000" dirty="0">
-              <a:latin typeface="Arial" panose="020B0604020202020204" pitchFamily="34" charset="0"/>
-              <a:cs typeface="Arial" panose="020B0604020202020204" pitchFamily="34" charset="0"/>
-            </a:endParaRPr>
-          </a:p>
-        </p:txBody>
-      </p:sp>
-      <p:sp>
-        <p:nvSpPr>
-          <p:cNvPr id="29" name="Rectangle 22">
-            <a:extLst>
-              <a:ext uri="{FF2B5EF4-FFF2-40B4-BE49-F238E27FC236}">
-                <a16:creationId xmlns:a16="http://schemas.microsoft.com/office/drawing/2014/main" id="{635751CD-F8D0-ADEA-D6E9-8F0974756326}"/>
+                <a16:creationId xmlns:a16="http://schemas.microsoft.com/office/drawing/2014/main" id="{D4AE11F8-F734-792F-1123-ED568F3712FF}"/>
               </a:ext>
             </a:extLst>
           </p:cNvPr>
@@ -3864,8 +3650,8 @@
         </p:nvSpPr>
         <p:spPr>
           <a:xfrm>
-            <a:off x="85515" y="5592712"/>
-            <a:ext cx="3221081" cy="708646"/>
+            <a:off x="322353" y="5859672"/>
+            <a:ext cx="3096572" cy="344184"/>
           </a:xfrm>
           <a:prstGeom prst="rect">
             <a:avLst/>
@@ -3899,16 +3685,16 @@
           <a:lstStyle/>
           <a:p>
             <a:pPr algn="ctr"/>
-            <a:endParaRPr lang="en-SE" sz="7154"/>
-          </a:p>
-        </p:txBody>
-      </p:sp>
-      <p:sp>
-        <p:nvSpPr>
-          <p:cNvPr id="30" name="Rectangle 22">
+            <a:endParaRPr lang="en-SE" sz="7152"/>
+          </a:p>
+        </p:txBody>
+      </p:sp>
+      <p:sp>
+        <p:nvSpPr>
+          <p:cNvPr id="9" name="Rectangle 22">
             <a:extLst>
               <a:ext uri="{FF2B5EF4-FFF2-40B4-BE49-F238E27FC236}">
-                <a16:creationId xmlns:a16="http://schemas.microsoft.com/office/drawing/2014/main" id="{00BE0E98-B0D6-260D-CD65-54BD854BDFA3}"/>
+                <a16:creationId xmlns:a16="http://schemas.microsoft.com/office/drawing/2014/main" id="{A5698FE0-DCBB-8E8A-0960-ECD6BD2C7672}"/>
               </a:ext>
             </a:extLst>
           </p:cNvPr>
@@ -3917,8 +3703,8 @@
         </p:nvSpPr>
         <p:spPr>
           <a:xfrm>
-            <a:off x="4078872" y="5592715"/>
-            <a:ext cx="3226628" cy="770231"/>
+            <a:off x="322351" y="5363097"/>
+            <a:ext cx="3096572" cy="344184"/>
           </a:xfrm>
           <a:prstGeom prst="rect">
             <a:avLst/>
@@ -3952,347 +3738,7 @@
           <a:lstStyle/>
           <a:p>
             <a:pPr algn="ctr"/>
-            <a:endParaRPr lang="en-SE" sz="7154"/>
-          </a:p>
-        </p:txBody>
-      </p:sp>
-      <p:sp>
-        <p:nvSpPr>
-          <p:cNvPr id="8" name="Oval 19">
-            <a:extLst>
-              <a:ext uri="{FF2B5EF4-FFF2-40B4-BE49-F238E27FC236}">
-                <a16:creationId xmlns:a16="http://schemas.microsoft.com/office/drawing/2014/main" id="{49BD15E2-0B01-1BBB-3BE0-2B05ABEA1433}"/>
-              </a:ext>
-            </a:extLst>
-          </p:cNvPr>
-          <p:cNvSpPr>
-            <a:spLocks noChangeAspect="1"/>
-          </p:cNvSpPr>
-          <p:nvPr/>
-        </p:nvSpPr>
-        <p:spPr>
-          <a:xfrm>
-            <a:off x="6910446" y="5177100"/>
-            <a:ext cx="708646" cy="708646"/>
-          </a:xfrm>
-          <a:prstGeom prst="ellipse">
-            <a:avLst/>
-          </a:prstGeom>
-          <a:solidFill>
-            <a:srgbClr val="F79647"/>
-          </a:solidFill>
-          <a:ln>
-            <a:noFill/>
-          </a:ln>
-        </p:spPr>
-        <p:style>
-          <a:lnRef idx="2">
-            <a:schemeClr val="accent1">
-              <a:shade val="15000"/>
-            </a:schemeClr>
-          </a:lnRef>
-          <a:fillRef idx="1">
-            <a:schemeClr val="accent1"/>
-          </a:fillRef>
-          <a:effectRef idx="0">
-            <a:schemeClr val="accent1"/>
-          </a:effectRef>
-          <a:fontRef idx="minor">
-            <a:schemeClr val="lt1"/>
-          </a:fontRef>
-        </p:style>
-        <p:txBody>
-          <a:bodyPr tIns="141729" bIns="212595" rtlCol="0" anchor="ctr"/>
-          <a:lstStyle/>
-          <a:p>
-            <a:pPr algn="ctr"/>
-            <a:r>
-              <a:rPr lang="en-GB" sz="4000" dirty="0">
-                <a:latin typeface="Arial" panose="020B0604020202020204" pitchFamily="34" charset="0"/>
-                <a:cs typeface="Arial" panose="020B0604020202020204" pitchFamily="34" charset="0"/>
-              </a:rPr>
-              <a:t>b</a:t>
-            </a:r>
-            <a:endParaRPr lang="en-SE" sz="4000" dirty="0">
-              <a:latin typeface="Arial" panose="020B0604020202020204" pitchFamily="34" charset="0"/>
-              <a:cs typeface="Arial" panose="020B0604020202020204" pitchFamily="34" charset="0"/>
-            </a:endParaRPr>
-          </a:p>
-        </p:txBody>
-      </p:sp>
-      <p:sp>
-        <p:nvSpPr>
-          <p:cNvPr id="6" name="Oval 19">
-            <a:extLst>
-              <a:ext uri="{FF2B5EF4-FFF2-40B4-BE49-F238E27FC236}">
-                <a16:creationId xmlns:a16="http://schemas.microsoft.com/office/drawing/2014/main" id="{07DE66C5-A761-67E9-A099-71C9FB0DF8D2}"/>
-              </a:ext>
-            </a:extLst>
-          </p:cNvPr>
-          <p:cNvSpPr>
-            <a:spLocks noChangeAspect="1"/>
-          </p:cNvSpPr>
-          <p:nvPr/>
-        </p:nvSpPr>
-        <p:spPr>
-          <a:xfrm>
-            <a:off x="2903470" y="5177100"/>
-            <a:ext cx="708646" cy="708646"/>
-          </a:xfrm>
-          <a:prstGeom prst="ellipse">
-            <a:avLst/>
-          </a:prstGeom>
-          <a:solidFill>
-            <a:srgbClr val="F79647"/>
-          </a:solidFill>
-          <a:ln>
-            <a:noFill/>
-          </a:ln>
-        </p:spPr>
-        <p:style>
-          <a:lnRef idx="2">
-            <a:schemeClr val="accent1">
-              <a:shade val="15000"/>
-            </a:schemeClr>
-          </a:lnRef>
-          <a:fillRef idx="1">
-            <a:schemeClr val="accent1"/>
-          </a:fillRef>
-          <a:effectRef idx="0">
-            <a:schemeClr val="accent1"/>
-          </a:effectRef>
-          <a:fontRef idx="minor">
-            <a:schemeClr val="lt1"/>
-          </a:fontRef>
-        </p:style>
-        <p:txBody>
-          <a:bodyPr tIns="141729" bIns="212595" rtlCol="0" anchor="ctr"/>
-          <a:lstStyle/>
-          <a:p>
-            <a:pPr algn="ctr"/>
-            <a:r>
-              <a:rPr lang="en-GB" sz="4000" dirty="0">
-                <a:latin typeface="Arial" panose="020B0604020202020204" pitchFamily="34" charset="0"/>
-                <a:cs typeface="Arial" panose="020B0604020202020204" pitchFamily="34" charset="0"/>
-              </a:rPr>
-              <a:t>a</a:t>
-            </a:r>
-            <a:endParaRPr lang="en-SE" sz="4000" dirty="0">
-              <a:latin typeface="Arial" panose="020B0604020202020204" pitchFamily="34" charset="0"/>
-              <a:cs typeface="Arial" panose="020B0604020202020204" pitchFamily="34" charset="0"/>
-            </a:endParaRPr>
-          </a:p>
-        </p:txBody>
-      </p:sp>
-      <p:sp>
-        <p:nvSpPr>
-          <p:cNvPr id="31" name="Rectangle 22">
-            <a:extLst>
-              <a:ext uri="{FF2B5EF4-FFF2-40B4-BE49-F238E27FC236}">
-                <a16:creationId xmlns:a16="http://schemas.microsoft.com/office/drawing/2014/main" id="{83E15E3C-9C67-A846-6AD5-DF96824616B2}"/>
-              </a:ext>
-            </a:extLst>
-          </p:cNvPr>
-          <p:cNvSpPr/>
-          <p:nvPr/>
-        </p:nvSpPr>
-        <p:spPr>
-          <a:xfrm>
-            <a:off x="8021194" y="3662803"/>
-            <a:ext cx="3871403" cy="1985868"/>
-          </a:xfrm>
-          <a:prstGeom prst="rect">
-            <a:avLst/>
-          </a:prstGeom>
-          <a:noFill/>
-          <a:ln w="28575">
-            <a:solidFill>
-              <a:srgbClr val="F79647"/>
-            </a:solidFill>
-            <a:prstDash val="sysDot"/>
-          </a:ln>
-        </p:spPr>
-        <p:style>
-          <a:lnRef idx="2">
-            <a:schemeClr val="accent1">
-              <a:shade val="15000"/>
-            </a:schemeClr>
-          </a:lnRef>
-          <a:fillRef idx="1">
-            <a:schemeClr val="accent1"/>
-          </a:fillRef>
-          <a:effectRef idx="0">
-            <a:schemeClr val="accent1"/>
-          </a:effectRef>
-          <a:fontRef idx="minor">
-            <a:schemeClr val="lt1"/>
-          </a:fontRef>
-        </p:style>
-        <p:txBody>
-          <a:bodyPr rtlCol="0" anchor="ctr"/>
-          <a:lstStyle/>
-          <a:p>
-            <a:pPr algn="ctr"/>
-            <a:endParaRPr lang="en-SE" sz="7154"/>
-          </a:p>
-        </p:txBody>
-      </p:sp>
-      <p:sp>
-        <p:nvSpPr>
-          <p:cNvPr id="32" name="Rectangle 22">
-            <a:extLst>
-              <a:ext uri="{FF2B5EF4-FFF2-40B4-BE49-F238E27FC236}">
-                <a16:creationId xmlns:a16="http://schemas.microsoft.com/office/drawing/2014/main" id="{548CB70F-3B5B-7BED-5679-FF7C6E1D70ED}"/>
-              </a:ext>
-            </a:extLst>
-          </p:cNvPr>
-          <p:cNvSpPr/>
-          <p:nvPr/>
-        </p:nvSpPr>
-        <p:spPr>
-          <a:xfrm>
-            <a:off x="12011749" y="1152404"/>
-            <a:ext cx="5243977" cy="3189530"/>
-          </a:xfrm>
-          <a:prstGeom prst="rect">
-            <a:avLst/>
-          </a:prstGeom>
-          <a:noFill/>
-          <a:ln w="28575">
-            <a:solidFill>
-              <a:srgbClr val="F79647"/>
-            </a:solidFill>
-            <a:prstDash val="sysDot"/>
-          </a:ln>
-        </p:spPr>
-        <p:style>
-          <a:lnRef idx="2">
-            <a:schemeClr val="accent1">
-              <a:shade val="15000"/>
-            </a:schemeClr>
-          </a:lnRef>
-          <a:fillRef idx="1">
-            <a:schemeClr val="accent1"/>
-          </a:fillRef>
-          <a:effectRef idx="0">
-            <a:schemeClr val="accent1"/>
-          </a:effectRef>
-          <a:fontRef idx="minor">
-            <a:schemeClr val="lt1"/>
-          </a:fontRef>
-        </p:style>
-        <p:txBody>
-          <a:bodyPr rtlCol="0" anchor="ctr"/>
-          <a:lstStyle/>
-          <a:p>
-            <a:pPr algn="ctr"/>
-            <a:endParaRPr lang="en-SE" sz="7154"/>
-          </a:p>
-        </p:txBody>
-      </p:sp>
-      <p:sp>
-        <p:nvSpPr>
-          <p:cNvPr id="33" name="Rectangle 22">
-            <a:extLst>
-              <a:ext uri="{FF2B5EF4-FFF2-40B4-BE49-F238E27FC236}">
-                <a16:creationId xmlns:a16="http://schemas.microsoft.com/office/drawing/2014/main" id="{FDC10E82-9264-B3F9-A62A-030216B27F4A}"/>
-              </a:ext>
-            </a:extLst>
-          </p:cNvPr>
-          <p:cNvSpPr/>
-          <p:nvPr/>
-        </p:nvSpPr>
-        <p:spPr>
-          <a:xfrm>
-            <a:off x="12011748" y="4428963"/>
-            <a:ext cx="5257223" cy="2366763"/>
-          </a:xfrm>
-          <a:prstGeom prst="rect">
-            <a:avLst/>
-          </a:prstGeom>
-          <a:noFill/>
-          <a:ln w="28575">
-            <a:solidFill>
-              <a:srgbClr val="F79647"/>
-            </a:solidFill>
-            <a:prstDash val="sysDot"/>
-          </a:ln>
-        </p:spPr>
-        <p:style>
-          <a:lnRef idx="2">
-            <a:schemeClr val="accent1">
-              <a:shade val="15000"/>
-            </a:schemeClr>
-          </a:lnRef>
-          <a:fillRef idx="1">
-            <a:schemeClr val="accent1"/>
-          </a:fillRef>
-          <a:effectRef idx="0">
-            <a:schemeClr val="accent1"/>
-          </a:effectRef>
-          <a:fontRef idx="minor">
-            <a:schemeClr val="lt1"/>
-          </a:fontRef>
-        </p:style>
-        <p:txBody>
-          <a:bodyPr rtlCol="0" anchor="ctr"/>
-          <a:lstStyle/>
-          <a:p>
-            <a:pPr algn="ctr"/>
-            <a:endParaRPr lang="en-SE" sz="7154"/>
-          </a:p>
-        </p:txBody>
-      </p:sp>
-      <p:sp>
-        <p:nvSpPr>
-          <p:cNvPr id="34" name="Rectangle 22">
-            <a:extLst>
-              <a:ext uri="{FF2B5EF4-FFF2-40B4-BE49-F238E27FC236}">
-                <a16:creationId xmlns:a16="http://schemas.microsoft.com/office/drawing/2014/main" id="{73F9E5B2-210F-EB99-058B-CD62FCD8790D}"/>
-              </a:ext>
-            </a:extLst>
-          </p:cNvPr>
-          <p:cNvSpPr/>
-          <p:nvPr/>
-        </p:nvSpPr>
-        <p:spPr>
-          <a:xfrm>
-            <a:off x="12011747" y="6882752"/>
-            <a:ext cx="5243977" cy="948320"/>
-          </a:xfrm>
-          <a:prstGeom prst="rect">
-            <a:avLst/>
-          </a:prstGeom>
-          <a:noFill/>
-          <a:ln w="28575">
-            <a:solidFill>
-              <a:srgbClr val="F79647"/>
-            </a:solidFill>
-            <a:prstDash val="sysDot"/>
-          </a:ln>
-        </p:spPr>
-        <p:style>
-          <a:lnRef idx="2">
-            <a:schemeClr val="accent1">
-              <a:shade val="15000"/>
-            </a:schemeClr>
-          </a:lnRef>
-          <a:fillRef idx="1">
-            <a:schemeClr val="accent1"/>
-          </a:fillRef>
-          <a:effectRef idx="0">
-            <a:schemeClr val="accent1"/>
-          </a:effectRef>
-          <a:fontRef idx="minor">
-            <a:schemeClr val="lt1"/>
-          </a:fontRef>
-        </p:style>
-        <p:txBody>
-          <a:bodyPr rtlCol="0" anchor="ctr"/>
-          <a:lstStyle/>
-          <a:p>
-            <a:pPr algn="ctr"/>
-            <a:endParaRPr lang="en-SE" sz="7154"/>
+            <a:endParaRPr lang="en-SE" sz="7152"/>
           </a:p>
         </p:txBody>
       </p:sp>
